--- a/Презентация.pptx
+++ b/Презентация.pptx
@@ -5589,7 +5589,7 @@
             <a:fld id="{1D8BD707-D9CF-40AE-B4C6-C98DA3205C09}" type="datetimeFigureOut">
               <a:rPr lang="en-US" smtClean="0"/>
               <a:pPr/>
-              <a:t>3/1/2021</a:t>
+              <a:t>3/2/2021</a:t>
             </a:fld>
             <a:endParaRPr lang="en-US"/>
           </a:p>
@@ -5754,7 +5754,7 @@
             <a:fld id="{1D8BD707-D9CF-40AE-B4C6-C98DA3205C09}" type="datetimeFigureOut">
               <a:rPr lang="en-US" smtClean="0"/>
               <a:pPr/>
-              <a:t>3/1/2021</a:t>
+              <a:t>3/2/2021</a:t>
             </a:fld>
             <a:endParaRPr lang="en-US"/>
           </a:p>
@@ -5929,7 +5929,7 @@
             <a:fld id="{1D8BD707-D9CF-40AE-B4C6-C98DA3205C09}" type="datetimeFigureOut">
               <a:rPr lang="en-US" smtClean="0"/>
               <a:pPr/>
-              <a:t>3/1/2021</a:t>
+              <a:t>3/2/2021</a:t>
             </a:fld>
             <a:endParaRPr lang="en-US"/>
           </a:p>
@@ -6094,7 +6094,7 @@
             <a:fld id="{1D8BD707-D9CF-40AE-B4C6-C98DA3205C09}" type="datetimeFigureOut">
               <a:rPr lang="en-US" smtClean="0"/>
               <a:pPr/>
-              <a:t>3/1/2021</a:t>
+              <a:t>3/2/2021</a:t>
             </a:fld>
             <a:endParaRPr lang="en-US"/>
           </a:p>
@@ -6336,7 +6336,7 @@
             <a:fld id="{1D8BD707-D9CF-40AE-B4C6-C98DA3205C09}" type="datetimeFigureOut">
               <a:rPr lang="en-US" smtClean="0"/>
               <a:pPr/>
-              <a:t>3/1/2021</a:t>
+              <a:t>3/2/2021</a:t>
             </a:fld>
             <a:endParaRPr lang="en-US"/>
           </a:p>
@@ -6618,7 +6618,7 @@
             <a:fld id="{1D8BD707-D9CF-40AE-B4C6-C98DA3205C09}" type="datetimeFigureOut">
               <a:rPr lang="en-US" smtClean="0"/>
               <a:pPr/>
-              <a:t>3/1/2021</a:t>
+              <a:t>3/2/2021</a:t>
             </a:fld>
             <a:endParaRPr lang="en-US"/>
           </a:p>
@@ -7034,7 +7034,7 @@
             <a:fld id="{1D8BD707-D9CF-40AE-B4C6-C98DA3205C09}" type="datetimeFigureOut">
               <a:rPr lang="en-US" smtClean="0"/>
               <a:pPr/>
-              <a:t>3/1/2021</a:t>
+              <a:t>3/2/2021</a:t>
             </a:fld>
             <a:endParaRPr lang="en-US"/>
           </a:p>
@@ -7148,7 +7148,7 @@
             <a:fld id="{1D8BD707-D9CF-40AE-B4C6-C98DA3205C09}" type="datetimeFigureOut">
               <a:rPr lang="en-US" smtClean="0"/>
               <a:pPr/>
-              <a:t>3/1/2021</a:t>
+              <a:t>3/2/2021</a:t>
             </a:fld>
             <a:endParaRPr lang="en-US"/>
           </a:p>
@@ -7240,7 +7240,7 @@
             <a:fld id="{1D8BD707-D9CF-40AE-B4C6-C98DA3205C09}" type="datetimeFigureOut">
               <a:rPr lang="en-US" smtClean="0"/>
               <a:pPr/>
-              <a:t>3/1/2021</a:t>
+              <a:t>3/2/2021</a:t>
             </a:fld>
             <a:endParaRPr lang="en-US"/>
           </a:p>
@@ -7512,7 +7512,7 @@
             <a:fld id="{1D8BD707-D9CF-40AE-B4C6-C98DA3205C09}" type="datetimeFigureOut">
               <a:rPr lang="en-US" smtClean="0"/>
               <a:pPr/>
-              <a:t>3/1/2021</a:t>
+              <a:t>3/2/2021</a:t>
             </a:fld>
             <a:endParaRPr lang="en-US"/>
           </a:p>
@@ -7761,7 +7761,7 @@
             <a:fld id="{1D8BD707-D9CF-40AE-B4C6-C98DA3205C09}" type="datetimeFigureOut">
               <a:rPr lang="en-US" smtClean="0"/>
               <a:pPr/>
-              <a:t>3/1/2021</a:t>
+              <a:t>3/2/2021</a:t>
             </a:fld>
             <a:endParaRPr lang="en-US"/>
           </a:p>
@@ -7969,7 +7969,7 @@
             <a:fld id="{1D8BD707-D9CF-40AE-B4C6-C98DA3205C09}" type="datetimeFigureOut">
               <a:rPr lang="en-US" smtClean="0"/>
               <a:pPr/>
-              <a:t>3/1/2021</a:t>
+              <a:t>3/2/2021</a:t>
             </a:fld>
             <a:endParaRPr lang="en-US"/>
           </a:p>
@@ -18595,20 +18595,14 @@
               </a:lnSpc>
             </a:pPr>
             <a:r>
-              <a:rPr lang="en-US" sz="8000" spc="-80" dirty="0" err="1">
+              <a:rPr lang="en-US" sz="8000" spc="-80" dirty="0">
                 <a:solidFill>
                   <a:srgbClr val="222222"/>
                 </a:solidFill>
                 <a:latin typeface="Rubik Mono"/>
               </a:rPr>
-              <a:t>DEmonstration</a:t>
+              <a:t>Demonstration</a:t>
             </a:r>
-            <a:endParaRPr lang="en-US" sz="8000" spc="-80" dirty="0">
-              <a:solidFill>
-                <a:srgbClr val="222222"/>
-              </a:solidFill>
-              <a:latin typeface="Rubik Mono"/>
-            </a:endParaRPr>
           </a:p>
         </p:txBody>
       </p:sp>
